--- a/manuscript/resources/images/originals/conway-law.pptx
+++ b/manuscript/resources/images/originals/conway-law.pptx
@@ -7,6 +7,7 @@
   <p:sldIdLst>
     <p:sldId id="256" r:id="rId2"/>
     <p:sldId id="258" r:id="rId3"/>
+    <p:sldId id="259" r:id="rId4"/>
   </p:sldIdLst>
   <p:sldSz cx="6858000" cy="9313863"/>
   <p:notesSz cx="6858000" cy="9144000"/>
@@ -105,6 +106,11 @@
       </a:defRPr>
     </a:lvl9pPr>
   </p:defaultTextStyle>
+  <p:extLst>
+    <p:ext uri="{EFAFB233-063F-42B5-8137-9DF3F51BA10A}">
+      <p15:sldGuideLst xmlns:p15="http://schemas.microsoft.com/office/powerpoint/2012/main"/>
+    </p:ext>
+  </p:extLst>
 </p:presentation>
 </file>
 
@@ -358,11 +364,11 @@
         </c:dLbls>
         <c:gapWidth val="219"/>
         <c:overlap val="-27"/>
-        <c:axId val="-2134804032"/>
-        <c:axId val="-2130936304"/>
+        <c:axId val="-1429246816"/>
+        <c:axId val="-1428950928"/>
       </c:barChart>
       <c:catAx>
-        <c:axId val="-2134804032"/>
+        <c:axId val="-1429246816"/>
         <c:scaling>
           <c:orientation val="minMax"/>
         </c:scaling>
@@ -405,7 +411,7 @@
             <a:endParaRPr lang="en-US"/>
           </a:p>
         </c:txPr>
-        <c:crossAx val="-2130936304"/>
+        <c:crossAx val="-1428950928"/>
         <c:crosses val="autoZero"/>
         <c:auto val="1"/>
         <c:lblAlgn val="ctr"/>
@@ -413,7 +419,7 @@
         <c:noMultiLvlLbl val="0"/>
       </c:catAx>
       <c:valAx>
-        <c:axId val="-2130936304"/>
+        <c:axId val="-1428950928"/>
         <c:scaling>
           <c:orientation val="minMax"/>
         </c:scaling>
@@ -464,7 +470,7 @@
             <a:endParaRPr lang="en-US"/>
           </a:p>
         </c:txPr>
-        <c:crossAx val="-2134804032"/>
+        <c:crossAx val="-1429246816"/>
         <c:crosses val="autoZero"/>
         <c:crossBetween val="between"/>
       </c:valAx>
@@ -726,10 +732,10 @@
                   <c:v>1.77591320677415</c:v>
                 </c:pt>
                 <c:pt idx="1">
-                  <c:v>2.639650214858718</c:v>
+                  <c:v>2.639650214858717</c:v>
                 </c:pt>
                 <c:pt idx="2">
-                  <c:v>4.595704330775508</c:v>
+                  <c:v>4.595704330775507</c:v>
                 </c:pt>
                 <c:pt idx="3">
                   <c:v>6.2</c:v>
@@ -787,11 +793,11 @@
         </c:dLbls>
         <c:gapWidth val="219"/>
         <c:overlap val="-27"/>
-        <c:axId val="-2132209792"/>
-        <c:axId val="-2133068768"/>
+        <c:axId val="-1450709680"/>
+        <c:axId val="-1430575024"/>
       </c:barChart>
       <c:catAx>
-        <c:axId val="-2132209792"/>
+        <c:axId val="-1450709680"/>
         <c:scaling>
           <c:orientation val="minMax"/>
         </c:scaling>
@@ -834,7 +840,7 @@
             <a:endParaRPr lang="en-US"/>
           </a:p>
         </c:txPr>
-        <c:crossAx val="-2133068768"/>
+        <c:crossAx val="-1430575024"/>
         <c:crosses val="autoZero"/>
         <c:auto val="1"/>
         <c:lblAlgn val="ctr"/>
@@ -842,7 +848,7 @@
         <c:noMultiLvlLbl val="0"/>
       </c:catAx>
       <c:valAx>
-        <c:axId val="-2133068768"/>
+        <c:axId val="-1430575024"/>
         <c:scaling>
           <c:orientation val="minMax"/>
         </c:scaling>
@@ -893,7 +899,7 @@
             <a:endParaRPr lang="en-US"/>
           </a:p>
         </c:txPr>
-        <c:crossAx val="-2132209792"/>
+        <c:crossAx val="-1450709680"/>
         <c:crosses val="autoZero"/>
         <c:crossBetween val="between"/>
       </c:valAx>
@@ -1608,7 +1614,7 @@
           <a:p>
             <a:fld id="{D4E0828C-0747-454B-8C97-DA3F33AE16E4}" type="datetimeFigureOut">
               <a:rPr lang="en-US" smtClean="0"/>
-              <a:t>9/23/17</a:t>
+              <a:t>9/25/17</a:t>
             </a:fld>
             <a:endParaRPr lang="en-US"/>
           </a:p>
@@ -1773,7 +1779,7 @@
           <a:p>
             <a:fld id="{D4E0828C-0747-454B-8C97-DA3F33AE16E4}" type="datetimeFigureOut">
               <a:rPr lang="en-US" smtClean="0"/>
-              <a:t>9/23/17</a:t>
+              <a:t>9/25/17</a:t>
             </a:fld>
             <a:endParaRPr lang="en-US"/>
           </a:p>
@@ -1948,7 +1954,7 @@
           <a:p>
             <a:fld id="{D4E0828C-0747-454B-8C97-DA3F33AE16E4}" type="datetimeFigureOut">
               <a:rPr lang="en-US" smtClean="0"/>
-              <a:t>9/23/17</a:t>
+              <a:t>9/25/17</a:t>
             </a:fld>
             <a:endParaRPr lang="en-US"/>
           </a:p>
@@ -2113,7 +2119,7 @@
           <a:p>
             <a:fld id="{D4E0828C-0747-454B-8C97-DA3F33AE16E4}" type="datetimeFigureOut">
               <a:rPr lang="en-US" smtClean="0"/>
-              <a:t>9/23/17</a:t>
+              <a:t>9/25/17</a:t>
             </a:fld>
             <a:endParaRPr lang="en-US"/>
           </a:p>
@@ -2352,7 +2358,7 @@
           <a:p>
             <a:fld id="{D4E0828C-0747-454B-8C97-DA3F33AE16E4}" type="datetimeFigureOut">
               <a:rPr lang="en-US" smtClean="0"/>
-              <a:t>9/23/17</a:t>
+              <a:t>9/25/17</a:t>
             </a:fld>
             <a:endParaRPr lang="en-US"/>
           </a:p>
@@ -2579,7 +2585,7 @@
           <a:p>
             <a:fld id="{D4E0828C-0747-454B-8C97-DA3F33AE16E4}" type="datetimeFigureOut">
               <a:rPr lang="en-US" smtClean="0"/>
-              <a:t>9/23/17</a:t>
+              <a:t>9/25/17</a:t>
             </a:fld>
             <a:endParaRPr lang="en-US"/>
           </a:p>
@@ -2941,7 +2947,7 @@
           <a:p>
             <a:fld id="{D4E0828C-0747-454B-8C97-DA3F33AE16E4}" type="datetimeFigureOut">
               <a:rPr lang="en-US" smtClean="0"/>
-              <a:t>9/23/17</a:t>
+              <a:t>9/25/17</a:t>
             </a:fld>
             <a:endParaRPr lang="en-US"/>
           </a:p>
@@ -3054,7 +3060,7 @@
           <a:p>
             <a:fld id="{D4E0828C-0747-454B-8C97-DA3F33AE16E4}" type="datetimeFigureOut">
               <a:rPr lang="en-US" smtClean="0"/>
-              <a:t>9/23/17</a:t>
+              <a:t>9/25/17</a:t>
             </a:fld>
             <a:endParaRPr lang="en-US"/>
           </a:p>
@@ -3144,7 +3150,7 @@
           <a:p>
             <a:fld id="{D4E0828C-0747-454B-8C97-DA3F33AE16E4}" type="datetimeFigureOut">
               <a:rPr lang="en-US" smtClean="0"/>
-              <a:t>9/23/17</a:t>
+              <a:t>9/25/17</a:t>
             </a:fld>
             <a:endParaRPr lang="en-US"/>
           </a:p>
@@ -3416,7 +3422,7 @@
           <a:p>
             <a:fld id="{D4E0828C-0747-454B-8C97-DA3F33AE16E4}" type="datetimeFigureOut">
               <a:rPr lang="en-US" smtClean="0"/>
-              <a:t>9/23/17</a:t>
+              <a:t>9/25/17</a:t>
             </a:fld>
             <a:endParaRPr lang="en-US"/>
           </a:p>
@@ -3668,7 +3674,7 @@
           <a:p>
             <a:fld id="{D4E0828C-0747-454B-8C97-DA3F33AE16E4}" type="datetimeFigureOut">
               <a:rPr lang="en-US" smtClean="0"/>
-              <a:t>9/23/17</a:t>
+              <a:t>9/25/17</a:t>
             </a:fld>
             <a:endParaRPr lang="en-US"/>
           </a:p>
@@ -3876,7 +3882,7 @@
           <a:p>
             <a:fld id="{D4E0828C-0747-454B-8C97-DA3F33AE16E4}" type="datetimeFigureOut">
               <a:rPr lang="en-US" smtClean="0"/>
-              <a:t>9/23/17</a:t>
+              <a:t>9/25/17</a:t>
             </a:fld>
             <a:endParaRPr lang="en-US"/>
           </a:p>
@@ -4452,6 +4458,219 @@
   <p:clrMapOvr>
     <a:masterClrMapping/>
   </p:clrMapOvr>
+  <p:timing>
+    <p:tnLst>
+      <p:par>
+        <p:cTn id="1" dur="indefinite" restart="never" nodeType="tmRoot"/>
+      </p:par>
+    </p:tnLst>
+  </p:timing>
+</p:sld>
+</file>
+
+<file path=ppt/slides/slide3.xml><?xml version="1.0" encoding="utf-8"?>
+<p:sld xmlns:a="http://schemas.openxmlformats.org/drawingml/2006/main" xmlns:r="http://schemas.openxmlformats.org/officeDocument/2006/relationships" xmlns:p="http://schemas.openxmlformats.org/presentationml/2006/main">
+  <p:cSld>
+    <p:spTree>
+      <p:nvGrpSpPr>
+        <p:cNvPr id="1" name=""/>
+        <p:cNvGrpSpPr/>
+        <p:nvPr/>
+      </p:nvGrpSpPr>
+      <p:grpSpPr>
+        <a:xfrm>
+          <a:off x="0" y="0"/>
+          <a:ext cx="0" cy="0"/>
+          <a:chOff x="0" y="0"/>
+          <a:chExt cx="0" cy="0"/>
+        </a:xfrm>
+      </p:grpSpPr>
+      <p:pic>
+        <p:nvPicPr>
+          <p:cNvPr id="4" name="Picture 3"/>
+          <p:cNvPicPr>
+            <a:picLocks noChangeAspect="1"/>
+          </p:cNvPicPr>
+          <p:nvPr/>
+        </p:nvPicPr>
+        <p:blipFill rotWithShape="1">
+          <a:blip r:embed="rId2"/>
+          <a:srcRect b="3998"/>
+          <a:stretch/>
+        </p:blipFill>
+        <p:spPr>
+          <a:xfrm>
+            <a:off x="403860" y="4386879"/>
+            <a:ext cx="5943600" cy="4435265"/>
+          </a:xfrm>
+          <a:prstGeom prst="rect">
+            <a:avLst/>
+          </a:prstGeom>
+        </p:spPr>
+      </p:pic>
+      <p:pic>
+        <p:nvPicPr>
+          <p:cNvPr id="6" name="Picture 5"/>
+          <p:cNvPicPr>
+            <a:picLocks noChangeAspect="1"/>
+          </p:cNvPicPr>
+          <p:nvPr/>
+        </p:nvPicPr>
+        <p:blipFill>
+          <a:blip r:embed="rId3"/>
+          <a:stretch>
+            <a:fillRect/>
+          </a:stretch>
+        </p:blipFill>
+        <p:spPr>
+          <a:xfrm>
+            <a:off x="129540" y="160020"/>
+            <a:ext cx="6469380" cy="3804239"/>
+          </a:xfrm>
+          <a:prstGeom prst="rect">
+            <a:avLst/>
+          </a:prstGeom>
+        </p:spPr>
+      </p:pic>
+      <p:sp>
+        <p:nvSpPr>
+          <p:cNvPr id="7" name="TextBox 6"/>
+          <p:cNvSpPr txBox="1"/>
+          <p:nvPr/>
+        </p:nvSpPr>
+        <p:spPr>
+          <a:xfrm>
+            <a:off x="2956560" y="3909060"/>
+            <a:ext cx="1273105" cy="369332"/>
+          </a:xfrm>
+          <a:prstGeom prst="rect">
+            <a:avLst/>
+          </a:prstGeom>
+          <a:noFill/>
+        </p:spPr>
+        <p:txBody>
+          <a:bodyPr wrap="none" rtlCol="0">
+            <a:spAutoFit/>
+          </a:bodyPr>
+          <a:lstStyle/>
+          <a:p>
+            <a:r>
+              <a:rPr lang="en-US" dirty="0" smtClean="0">
+                <a:latin typeface="TheSans B4SemiLight" charset="0"/>
+                <a:ea typeface="TheSans B4SemiLight" charset="0"/>
+                <a:cs typeface="TheSans B4SemiLight" charset="0"/>
+              </a:rPr>
+              <a:t>1991-2002</a:t>
+            </a:r>
+            <a:endParaRPr lang="en-US" dirty="0">
+              <a:latin typeface="TheSans B4SemiLight" charset="0"/>
+              <a:ea typeface="TheSans B4SemiLight" charset="0"/>
+              <a:cs typeface="TheSans B4SemiLight" charset="0"/>
+            </a:endParaRPr>
+          </a:p>
+        </p:txBody>
+      </p:sp>
+      <p:sp>
+        <p:nvSpPr>
+          <p:cNvPr id="8" name="TextBox 7"/>
+          <p:cNvSpPr txBox="1"/>
+          <p:nvPr/>
+        </p:nvSpPr>
+        <p:spPr>
+          <a:xfrm>
+            <a:off x="2865187" y="8822144"/>
+            <a:ext cx="1273105" cy="369332"/>
+          </a:xfrm>
+          <a:prstGeom prst="rect">
+            <a:avLst/>
+          </a:prstGeom>
+          <a:noFill/>
+        </p:spPr>
+        <p:txBody>
+          <a:bodyPr wrap="none" rtlCol="0">
+            <a:spAutoFit/>
+          </a:bodyPr>
+          <a:lstStyle/>
+          <a:p>
+            <a:r>
+              <a:rPr lang="en-US" dirty="0" smtClean="0">
+                <a:latin typeface="TheSans B4SemiLight" charset="0"/>
+                <a:ea typeface="TheSans B4SemiLight" charset="0"/>
+                <a:cs typeface="TheSans B4SemiLight" charset="0"/>
+              </a:rPr>
+              <a:t>2003-2017</a:t>
+            </a:r>
+            <a:endParaRPr lang="en-US" dirty="0">
+              <a:latin typeface="TheSans B4SemiLight" charset="0"/>
+              <a:ea typeface="TheSans B4SemiLight" charset="0"/>
+              <a:cs typeface="TheSans B4SemiLight" charset="0"/>
+            </a:endParaRPr>
+          </a:p>
+        </p:txBody>
+      </p:sp>
+      <p:sp>
+        <p:nvSpPr>
+          <p:cNvPr id="9" name="Rectangle 8"/>
+          <p:cNvSpPr/>
+          <p:nvPr/>
+        </p:nvSpPr>
+        <p:spPr>
+          <a:xfrm>
+            <a:off x="6179820" y="4278392"/>
+            <a:ext cx="487680" cy="560308"/>
+          </a:xfrm>
+          <a:prstGeom prst="rect">
+            <a:avLst/>
+          </a:prstGeom>
+          <a:solidFill>
+            <a:schemeClr val="bg1"/>
+          </a:solidFill>
+          <a:ln>
+            <a:noFill/>
+          </a:ln>
+        </p:spPr>
+        <p:style>
+          <a:lnRef idx="2">
+            <a:schemeClr val="accent1">
+              <a:shade val="50000"/>
+            </a:schemeClr>
+          </a:lnRef>
+          <a:fillRef idx="1">
+            <a:schemeClr val="accent1"/>
+          </a:fillRef>
+          <a:effectRef idx="0">
+            <a:schemeClr val="accent1"/>
+          </a:effectRef>
+          <a:fontRef idx="minor">
+            <a:schemeClr val="lt1"/>
+          </a:fontRef>
+        </p:style>
+        <p:txBody>
+          <a:bodyPr rtlCol="0" anchor="ctr"/>
+          <a:lstStyle/>
+          <a:p>
+            <a:pPr algn="ctr"/>
+            <a:endParaRPr lang="en-US"/>
+          </a:p>
+        </p:txBody>
+      </p:sp>
+    </p:spTree>
+    <p:extLst>
+      <p:ext uri="{BB962C8B-B14F-4D97-AF65-F5344CB8AC3E}">
+        <p14:creationId xmlns:p14="http://schemas.microsoft.com/office/powerpoint/2010/main" val="1759007382"/>
+      </p:ext>
+    </p:extLst>
+  </p:cSld>
+  <p:clrMapOvr>
+    <a:masterClrMapping/>
+  </p:clrMapOvr>
+  <p:timing>
+    <p:tnLst>
+      <p:par>
+        <p:cTn id="1" dur="indefinite" restart="never" nodeType="tmRoot"/>
+      </p:par>
+    </p:tnLst>
+  </p:timing>
 </p:sld>
 </file>
 
